--- a/FDD2018_LambdaArchitecture/LambdaArchitecture_V2.pptx
+++ b/FDD2018_LambdaArchitecture/LambdaArchitecture_V2.pptx
@@ -272,7 +272,7 @@
           <a:p>
             <a:fld id="{1E050263-9721-43EF-AC38-28F6115BDD45}" type="datetimeFigureOut">
               <a:rPr lang="en-US" smtClean="0"/>
-              <a:t>12/1/2018</a:t>
+              <a:t>4/30/2019</a:t>
             </a:fld>
             <a:endParaRPr lang="en-US"/>
           </a:p>
@@ -437,7 +437,7 @@
           <a:p>
             <a:fld id="{02790F4D-45E3-4E16-A568-54C3CC6D5229}" type="datetimeFigureOut">
               <a:rPr lang="en-US" smtClean="0"/>
-              <a:t>12/1/2018</a:t>
+              <a:t>4/28/2019</a:t>
             </a:fld>
             <a:endParaRPr lang="en-US"/>
           </a:p>
@@ -15286,7 +15286,7 @@
           <a:p>
             <a:fld id="{C764DE79-268F-4C1A-8933-263129D2AF90}" type="datetimeFigureOut">
               <a:rPr lang="en-US" dirty="0"/>
-              <a:t>12/1/2018</a:t>
+              <a:t>4/28/2019</a:t>
             </a:fld>
             <a:endParaRPr lang="en-US" dirty="0"/>
           </a:p>
@@ -15382,7 +15382,7 @@
           <a:p>
             <a:fld id="{C764DE79-268F-4C1A-8933-263129D2AF90}" type="datetimeFigureOut">
               <a:rPr lang="en-US" dirty="0"/>
-              <a:t>12/1/2018</a:t>
+              <a:t>4/28/2019</a:t>
             </a:fld>
             <a:endParaRPr lang="en-US" dirty="0"/>
           </a:p>
@@ -15660,7 +15660,7 @@
           <a:p>
             <a:fld id="{C764DE79-268F-4C1A-8933-263129D2AF90}" type="datetimeFigureOut">
               <a:rPr lang="en-US" dirty="0"/>
-              <a:t>12/1/2018</a:t>
+              <a:t>4/28/2019</a:t>
             </a:fld>
             <a:endParaRPr lang="en-US" dirty="0"/>
           </a:p>
@@ -15918,7 +15918,7 @@
           <a:p>
             <a:fld id="{C764DE79-268F-4C1A-8933-263129D2AF90}" type="datetimeFigureOut">
               <a:rPr lang="en-US" dirty="0"/>
-              <a:t>12/1/2018</a:t>
+              <a:t>4/28/2019</a:t>
             </a:fld>
             <a:endParaRPr lang="en-US" dirty="0"/>
           </a:p>
@@ -16089,7 +16089,7 @@
           <a:p>
             <a:fld id="{C764DE79-268F-4C1A-8933-263129D2AF90}" type="datetimeFigureOut">
               <a:rPr lang="en-US" dirty="0"/>
-              <a:t>12/1/2018</a:t>
+              <a:t>4/28/2019</a:t>
             </a:fld>
             <a:endParaRPr lang="en-US" dirty="0"/>
           </a:p>
@@ -16270,7 +16270,7 @@
           <a:p>
             <a:fld id="{C764DE79-268F-4C1A-8933-263129D2AF90}" type="datetimeFigureOut">
               <a:rPr lang="en-US" dirty="0"/>
-              <a:t>12/1/2018</a:t>
+              <a:t>4/28/2019</a:t>
             </a:fld>
             <a:endParaRPr lang="en-US" dirty="0"/>
           </a:p>
@@ -16705,7 +16705,7 @@
           <a:p>
             <a:fld id="{C764DE79-268F-4C1A-8933-263129D2AF90}" type="datetimeFigureOut">
               <a:rPr lang="en-US" dirty="0"/>
-              <a:t>12/1/2018</a:t>
+              <a:t>4/28/2019</a:t>
             </a:fld>
             <a:endParaRPr lang="en-US" dirty="0"/>
           </a:p>
@@ -16876,7 +16876,7 @@
           <a:p>
             <a:fld id="{C764DE79-268F-4C1A-8933-263129D2AF90}" type="datetimeFigureOut">
               <a:rPr lang="en-US" dirty="0"/>
-              <a:t>12/1/2018</a:t>
+              <a:t>4/28/2019</a:t>
             </a:fld>
             <a:endParaRPr lang="en-US" dirty="0"/>
           </a:p>
@@ -17121,7 +17121,7 @@
           <a:p>
             <a:fld id="{C764DE79-268F-4C1A-8933-263129D2AF90}" type="datetimeFigureOut">
               <a:rPr lang="en-US" dirty="0"/>
-              <a:t>12/1/2018</a:t>
+              <a:t>4/28/2019</a:t>
             </a:fld>
             <a:endParaRPr lang="en-US" dirty="0"/>
           </a:p>
@@ -17461,7 +17461,7 @@
           <a:p>
             <a:fld id="{C764DE79-268F-4C1A-8933-263129D2AF90}" type="datetimeFigureOut">
               <a:rPr lang="en-US" dirty="0"/>
-              <a:t>12/1/2018</a:t>
+              <a:t>4/28/2019</a:t>
             </a:fld>
             <a:endParaRPr lang="en-US" dirty="0"/>
           </a:p>
@@ -17829,7 +17829,7 @@
           <a:p>
             <a:fld id="{C764DE79-268F-4C1A-8933-263129D2AF90}" type="datetimeFigureOut">
               <a:rPr lang="en-US" dirty="0"/>
-              <a:t>12/1/2018</a:t>
+              <a:t>4/28/2019</a:t>
             </a:fld>
             <a:endParaRPr lang="en-US" dirty="0"/>
           </a:p>
@@ -17948,7 +17948,7 @@
           <a:p>
             <a:fld id="{C764DE79-268F-4C1A-8933-263129D2AF90}" type="datetimeFigureOut">
               <a:rPr lang="en-US" dirty="0"/>
-              <a:t>12/1/2018</a:t>
+              <a:t>4/28/2019</a:t>
             </a:fld>
             <a:endParaRPr lang="en-US" dirty="0"/>
           </a:p>
@@ -18044,7 +18044,7 @@
           <a:p>
             <a:fld id="{C764DE79-268F-4C1A-8933-263129D2AF90}" type="datetimeFigureOut">
               <a:rPr lang="en-US" dirty="0"/>
-              <a:t>12/1/2018</a:t>
+              <a:t>4/28/2019</a:t>
             </a:fld>
             <a:endParaRPr lang="en-US" dirty="0"/>
           </a:p>
@@ -18322,7 +18322,7 @@
           <a:p>
             <a:fld id="{C764DE79-268F-4C1A-8933-263129D2AF90}" type="datetimeFigureOut">
               <a:rPr lang="en-US" dirty="0"/>
-              <a:t>12/1/2018</a:t>
+              <a:t>4/28/2019</a:t>
             </a:fld>
             <a:endParaRPr lang="en-US" dirty="0"/>
           </a:p>
@@ -18580,7 +18580,7 @@
           <a:p>
             <a:fld id="{C764DE79-268F-4C1A-8933-263129D2AF90}" type="datetimeFigureOut">
               <a:rPr lang="en-US" dirty="0"/>
-              <a:t>12/1/2018</a:t>
+              <a:t>4/28/2019</a:t>
             </a:fld>
             <a:endParaRPr lang="en-US" dirty="0"/>
           </a:p>
@@ -18751,7 +18751,7 @@
           <a:p>
             <a:fld id="{C764DE79-268F-4C1A-8933-263129D2AF90}" type="datetimeFigureOut">
               <a:rPr lang="en-US" dirty="0"/>
-              <a:t>12/1/2018</a:t>
+              <a:t>4/28/2019</a:t>
             </a:fld>
             <a:endParaRPr lang="en-US" dirty="0"/>
           </a:p>
@@ -18932,7 +18932,7 @@
           <a:p>
             <a:fld id="{C764DE79-268F-4C1A-8933-263129D2AF90}" type="datetimeFigureOut">
               <a:rPr lang="en-US" dirty="0"/>
-              <a:t>12/1/2018</a:t>
+              <a:t>4/28/2019</a:t>
             </a:fld>
             <a:endParaRPr lang="en-US" dirty="0"/>
           </a:p>
@@ -19202,7 +19202,7 @@
           <a:p>
             <a:fld id="{C764DE79-268F-4C1A-8933-263129D2AF90}" type="datetimeFigureOut">
               <a:rPr lang="en-US" dirty="0"/>
-              <a:t>12/1/2018</a:t>
+              <a:t>4/28/2019</a:t>
             </a:fld>
             <a:endParaRPr lang="en-US" dirty="0"/>
           </a:p>
@@ -19452,7 +19452,7 @@
           <a:p>
             <a:fld id="{C764DE79-268F-4C1A-8933-263129D2AF90}" type="datetimeFigureOut">
               <a:rPr lang="en-US" dirty="0"/>
-              <a:t>12/1/2018</a:t>
+              <a:t>4/28/2019</a:t>
             </a:fld>
             <a:endParaRPr lang="en-US" dirty="0"/>
           </a:p>
@@ -19697,7 +19697,7 @@
           <a:p>
             <a:fld id="{C764DE79-268F-4C1A-8933-263129D2AF90}" type="datetimeFigureOut">
               <a:rPr lang="en-US" dirty="0"/>
-              <a:t>12/1/2018</a:t>
+              <a:t>4/28/2019</a:t>
             </a:fld>
             <a:endParaRPr lang="en-US" dirty="0"/>
           </a:p>
@@ -19930,7 +19930,7 @@
           <a:p>
             <a:fld id="{C764DE79-268F-4C1A-8933-263129D2AF90}" type="datetimeFigureOut">
               <a:rPr lang="en-US" dirty="0"/>
-              <a:t>12/1/2018</a:t>
+              <a:t>4/28/2019</a:t>
             </a:fld>
             <a:endParaRPr lang="en-US" dirty="0"/>
           </a:p>
@@ -20298,7 +20298,7 @@
           <a:p>
             <a:fld id="{C764DE79-268F-4C1A-8933-263129D2AF90}" type="datetimeFigureOut">
               <a:rPr lang="en-US" dirty="0"/>
-              <a:t>12/1/2018</a:t>
+              <a:t>4/28/2019</a:t>
             </a:fld>
             <a:endParaRPr lang="en-US" dirty="0"/>
           </a:p>
@@ -20417,7 +20417,7 @@
           <a:p>
             <a:fld id="{C764DE79-268F-4C1A-8933-263129D2AF90}" type="datetimeFigureOut">
               <a:rPr lang="en-US" dirty="0"/>
-              <a:t>12/1/2018</a:t>
+              <a:t>4/28/2019</a:t>
             </a:fld>
             <a:endParaRPr lang="en-US" dirty="0"/>
           </a:p>
@@ -20513,7 +20513,7 @@
           <a:p>
             <a:fld id="{C764DE79-268F-4C1A-8933-263129D2AF90}" type="datetimeFigureOut">
               <a:rPr lang="en-US" dirty="0"/>
-              <a:t>12/1/2018</a:t>
+              <a:t>4/28/2019</a:t>
             </a:fld>
             <a:endParaRPr lang="en-US" dirty="0"/>
           </a:p>
@@ -20791,7 +20791,7 @@
           <a:p>
             <a:fld id="{C764DE79-268F-4C1A-8933-263129D2AF90}" type="datetimeFigureOut">
               <a:rPr lang="en-US" dirty="0"/>
-              <a:t>12/1/2018</a:t>
+              <a:t>4/28/2019</a:t>
             </a:fld>
             <a:endParaRPr lang="en-US" dirty="0"/>
           </a:p>
@@ -21049,7 +21049,7 @@
           <a:p>
             <a:fld id="{C764DE79-268F-4C1A-8933-263129D2AF90}" type="datetimeFigureOut">
               <a:rPr lang="en-US" dirty="0"/>
-              <a:t>12/1/2018</a:t>
+              <a:t>4/28/2019</a:t>
             </a:fld>
             <a:endParaRPr lang="en-US" dirty="0"/>
           </a:p>
@@ -21220,7 +21220,7 @@
           <a:p>
             <a:fld id="{C764DE79-268F-4C1A-8933-263129D2AF90}" type="datetimeFigureOut">
               <a:rPr lang="en-US" dirty="0"/>
-              <a:t>12/1/2018</a:t>
+              <a:t>4/28/2019</a:t>
             </a:fld>
             <a:endParaRPr lang="en-US" dirty="0"/>
           </a:p>
@@ -21401,7 +21401,7 @@
           <a:p>
             <a:fld id="{C764DE79-268F-4C1A-8933-263129D2AF90}" type="datetimeFigureOut">
               <a:rPr lang="en-US" dirty="0"/>
-              <a:t>12/1/2018</a:t>
+              <a:t>4/28/2019</a:t>
             </a:fld>
             <a:endParaRPr lang="en-US" dirty="0"/>
           </a:p>
@@ -21720,7 +21720,7 @@
           <a:p>
             <a:fld id="{C764DE79-268F-4C1A-8933-263129D2AF90}" type="datetimeFigureOut">
               <a:rPr lang="en-US" dirty="0"/>
-              <a:t>12/1/2018</a:t>
+              <a:t>4/28/2019</a:t>
             </a:fld>
             <a:endParaRPr lang="en-US" dirty="0"/>
           </a:p>
@@ -21891,7 +21891,7 @@
           <a:p>
             <a:fld id="{C764DE79-268F-4C1A-8933-263129D2AF90}" type="datetimeFigureOut">
               <a:rPr lang="en-US" dirty="0"/>
-              <a:t>12/1/2018</a:t>
+              <a:t>4/28/2019</a:t>
             </a:fld>
             <a:endParaRPr lang="en-US" dirty="0"/>
           </a:p>
@@ -22136,7 +22136,7 @@
           <a:p>
             <a:fld id="{C764DE79-268F-4C1A-8933-263129D2AF90}" type="datetimeFigureOut">
               <a:rPr lang="en-US" dirty="0"/>
-              <a:t>12/1/2018</a:t>
+              <a:t>4/28/2019</a:t>
             </a:fld>
             <a:endParaRPr lang="en-US" dirty="0"/>
           </a:p>
@@ -22369,7 +22369,7 @@
           <a:p>
             <a:fld id="{C764DE79-268F-4C1A-8933-263129D2AF90}" type="datetimeFigureOut">
               <a:rPr lang="en-US" dirty="0"/>
-              <a:t>12/1/2018</a:t>
+              <a:t>4/28/2019</a:t>
             </a:fld>
             <a:endParaRPr lang="en-US" dirty="0"/>
           </a:p>
@@ -22737,7 +22737,7 @@
           <a:p>
             <a:fld id="{C764DE79-268F-4C1A-8933-263129D2AF90}" type="datetimeFigureOut">
               <a:rPr lang="en-US" dirty="0"/>
-              <a:t>12/1/2018</a:t>
+              <a:t>4/28/2019</a:t>
             </a:fld>
             <a:endParaRPr lang="en-US" dirty="0"/>
           </a:p>
@@ -23811,7 +23811,7 @@
           <a:p>
             <a:fld id="{C764DE79-268F-4C1A-8933-263129D2AF90}" type="datetimeFigureOut">
               <a:rPr lang="en-US" dirty="0"/>
-              <a:t>12/1/2018</a:t>
+              <a:t>4/28/2019</a:t>
             </a:fld>
             <a:endParaRPr lang="en-US" dirty="0"/>
           </a:p>
@@ -24480,7 +24480,7 @@
           <a:p>
             <a:fld id="{C764DE79-268F-4C1A-8933-263129D2AF90}" type="datetimeFigureOut">
               <a:rPr lang="en-US" dirty="0"/>
-              <a:t>12/1/2018</a:t>
+              <a:t>4/28/2019</a:t>
             </a:fld>
             <a:endParaRPr lang="en-US" dirty="0"/>
           </a:p>
@@ -25125,7 +25125,7 @@
           <a:p>
             <a:fld id="{C764DE79-268F-4C1A-8933-263129D2AF90}" type="datetimeFigureOut">
               <a:rPr lang="en-US" dirty="0"/>
-              <a:t>12/1/2018</a:t>
+              <a:t>4/28/2019</a:t>
             </a:fld>
             <a:endParaRPr lang="en-US" dirty="0"/>
           </a:p>
@@ -31437,7 +31437,7 @@
         </p:nvGrpSpPr>
         <p:grpSpPr>
           <a:xfrm>
-            <a:off x="1651940" y="3939435"/>
+            <a:off x="1455998" y="4042072"/>
             <a:ext cx="6386801" cy="1571517"/>
             <a:chOff x="2178492" y="3977563"/>
             <a:chExt cx="8515735" cy="2095356"/>

--- a/FDD2018_LambdaArchitecture/LambdaArchitecture_V2.pptx
+++ b/FDD2018_LambdaArchitecture/LambdaArchitecture_V2.pptx
@@ -272,7 +272,7 @@
           <a:p>
             <a:fld id="{1E050263-9721-43EF-AC38-28F6115BDD45}" type="datetimeFigureOut">
               <a:rPr lang="en-US" smtClean="0"/>
-              <a:t>4/30/2019</a:t>
+              <a:t>9/30/2019</a:t>
             </a:fld>
             <a:endParaRPr lang="en-US"/>
           </a:p>
@@ -437,7 +437,7 @@
           <a:p>
             <a:fld id="{02790F4D-45E3-4E16-A568-54C3CC6D5229}" type="datetimeFigureOut">
               <a:rPr lang="en-US" smtClean="0"/>
-              <a:t>4/28/2019</a:t>
+              <a:t>9/30/2019</a:t>
             </a:fld>
             <a:endParaRPr lang="en-US"/>
           </a:p>
@@ -15286,7 +15286,7 @@
           <a:p>
             <a:fld id="{C764DE79-268F-4C1A-8933-263129D2AF90}" type="datetimeFigureOut">
               <a:rPr lang="en-US" dirty="0"/>
-              <a:t>4/28/2019</a:t>
+              <a:t>9/30/2019</a:t>
             </a:fld>
             <a:endParaRPr lang="en-US" dirty="0"/>
           </a:p>
@@ -15382,7 +15382,7 @@
           <a:p>
             <a:fld id="{C764DE79-268F-4C1A-8933-263129D2AF90}" type="datetimeFigureOut">
               <a:rPr lang="en-US" dirty="0"/>
-              <a:t>4/28/2019</a:t>
+              <a:t>9/30/2019</a:t>
             </a:fld>
             <a:endParaRPr lang="en-US" dirty="0"/>
           </a:p>
@@ -15660,7 +15660,7 @@
           <a:p>
             <a:fld id="{C764DE79-268F-4C1A-8933-263129D2AF90}" type="datetimeFigureOut">
               <a:rPr lang="en-US" dirty="0"/>
-              <a:t>4/28/2019</a:t>
+              <a:t>9/30/2019</a:t>
             </a:fld>
             <a:endParaRPr lang="en-US" dirty="0"/>
           </a:p>
@@ -15918,7 +15918,7 @@
           <a:p>
             <a:fld id="{C764DE79-268F-4C1A-8933-263129D2AF90}" type="datetimeFigureOut">
               <a:rPr lang="en-US" dirty="0"/>
-              <a:t>4/28/2019</a:t>
+              <a:t>9/30/2019</a:t>
             </a:fld>
             <a:endParaRPr lang="en-US" dirty="0"/>
           </a:p>
@@ -16089,7 +16089,7 @@
           <a:p>
             <a:fld id="{C764DE79-268F-4C1A-8933-263129D2AF90}" type="datetimeFigureOut">
               <a:rPr lang="en-US" dirty="0"/>
-              <a:t>4/28/2019</a:t>
+              <a:t>9/30/2019</a:t>
             </a:fld>
             <a:endParaRPr lang="en-US" dirty="0"/>
           </a:p>
@@ -16270,7 +16270,7 @@
           <a:p>
             <a:fld id="{C764DE79-268F-4C1A-8933-263129D2AF90}" type="datetimeFigureOut">
               <a:rPr lang="en-US" dirty="0"/>
-              <a:t>4/28/2019</a:t>
+              <a:t>9/30/2019</a:t>
             </a:fld>
             <a:endParaRPr lang="en-US" dirty="0"/>
           </a:p>
@@ -16705,7 +16705,7 @@
           <a:p>
             <a:fld id="{C764DE79-268F-4C1A-8933-263129D2AF90}" type="datetimeFigureOut">
               <a:rPr lang="en-US" dirty="0"/>
-              <a:t>4/28/2019</a:t>
+              <a:t>9/30/2019</a:t>
             </a:fld>
             <a:endParaRPr lang="en-US" dirty="0"/>
           </a:p>
@@ -16876,7 +16876,7 @@
           <a:p>
             <a:fld id="{C764DE79-268F-4C1A-8933-263129D2AF90}" type="datetimeFigureOut">
               <a:rPr lang="en-US" dirty="0"/>
-              <a:t>4/28/2019</a:t>
+              <a:t>9/30/2019</a:t>
             </a:fld>
             <a:endParaRPr lang="en-US" dirty="0"/>
           </a:p>
@@ -17121,7 +17121,7 @@
           <a:p>
             <a:fld id="{C764DE79-268F-4C1A-8933-263129D2AF90}" type="datetimeFigureOut">
               <a:rPr lang="en-US" dirty="0"/>
-              <a:t>4/28/2019</a:t>
+              <a:t>9/30/2019</a:t>
             </a:fld>
             <a:endParaRPr lang="en-US" dirty="0"/>
           </a:p>
@@ -17461,7 +17461,7 @@
           <a:p>
             <a:fld id="{C764DE79-268F-4C1A-8933-263129D2AF90}" type="datetimeFigureOut">
               <a:rPr lang="en-US" dirty="0"/>
-              <a:t>4/28/2019</a:t>
+              <a:t>9/30/2019</a:t>
             </a:fld>
             <a:endParaRPr lang="en-US" dirty="0"/>
           </a:p>
@@ -17829,7 +17829,7 @@
           <a:p>
             <a:fld id="{C764DE79-268F-4C1A-8933-263129D2AF90}" type="datetimeFigureOut">
               <a:rPr lang="en-US" dirty="0"/>
-              <a:t>4/28/2019</a:t>
+              <a:t>9/30/2019</a:t>
             </a:fld>
             <a:endParaRPr lang="en-US" dirty="0"/>
           </a:p>
@@ -17948,7 +17948,7 @@
           <a:p>
             <a:fld id="{C764DE79-268F-4C1A-8933-263129D2AF90}" type="datetimeFigureOut">
               <a:rPr lang="en-US" dirty="0"/>
-              <a:t>4/28/2019</a:t>
+              <a:t>9/30/2019</a:t>
             </a:fld>
             <a:endParaRPr lang="en-US" dirty="0"/>
           </a:p>
@@ -18044,7 +18044,7 @@
           <a:p>
             <a:fld id="{C764DE79-268F-4C1A-8933-263129D2AF90}" type="datetimeFigureOut">
               <a:rPr lang="en-US" dirty="0"/>
-              <a:t>4/28/2019</a:t>
+              <a:t>9/30/2019</a:t>
             </a:fld>
             <a:endParaRPr lang="en-US" dirty="0"/>
           </a:p>
@@ -18322,7 +18322,7 @@
           <a:p>
             <a:fld id="{C764DE79-268F-4C1A-8933-263129D2AF90}" type="datetimeFigureOut">
               <a:rPr lang="en-US" dirty="0"/>
-              <a:t>4/28/2019</a:t>
+              <a:t>9/30/2019</a:t>
             </a:fld>
             <a:endParaRPr lang="en-US" dirty="0"/>
           </a:p>
@@ -18580,7 +18580,7 @@
           <a:p>
             <a:fld id="{C764DE79-268F-4C1A-8933-263129D2AF90}" type="datetimeFigureOut">
               <a:rPr lang="en-US" dirty="0"/>
-              <a:t>4/28/2019</a:t>
+              <a:t>9/30/2019</a:t>
             </a:fld>
             <a:endParaRPr lang="en-US" dirty="0"/>
           </a:p>
@@ -18751,7 +18751,7 @@
           <a:p>
             <a:fld id="{C764DE79-268F-4C1A-8933-263129D2AF90}" type="datetimeFigureOut">
               <a:rPr lang="en-US" dirty="0"/>
-              <a:t>4/28/2019</a:t>
+              <a:t>9/30/2019</a:t>
             </a:fld>
             <a:endParaRPr lang="en-US" dirty="0"/>
           </a:p>
@@ -18932,7 +18932,7 @@
           <a:p>
             <a:fld id="{C764DE79-268F-4C1A-8933-263129D2AF90}" type="datetimeFigureOut">
               <a:rPr lang="en-US" dirty="0"/>
-              <a:t>4/28/2019</a:t>
+              <a:t>9/30/2019</a:t>
             </a:fld>
             <a:endParaRPr lang="en-US" dirty="0"/>
           </a:p>
@@ -19202,7 +19202,7 @@
           <a:p>
             <a:fld id="{C764DE79-268F-4C1A-8933-263129D2AF90}" type="datetimeFigureOut">
               <a:rPr lang="en-US" dirty="0"/>
-              <a:t>4/28/2019</a:t>
+              <a:t>9/30/2019</a:t>
             </a:fld>
             <a:endParaRPr lang="en-US" dirty="0"/>
           </a:p>
@@ -19452,7 +19452,7 @@
           <a:p>
             <a:fld id="{C764DE79-268F-4C1A-8933-263129D2AF90}" type="datetimeFigureOut">
               <a:rPr lang="en-US" dirty="0"/>
-              <a:t>4/28/2019</a:t>
+              <a:t>9/30/2019</a:t>
             </a:fld>
             <a:endParaRPr lang="en-US" dirty="0"/>
           </a:p>
@@ -19697,7 +19697,7 @@
           <a:p>
             <a:fld id="{C764DE79-268F-4C1A-8933-263129D2AF90}" type="datetimeFigureOut">
               <a:rPr lang="en-US" dirty="0"/>
-              <a:t>4/28/2019</a:t>
+              <a:t>9/30/2019</a:t>
             </a:fld>
             <a:endParaRPr lang="en-US" dirty="0"/>
           </a:p>
@@ -19930,7 +19930,7 @@
           <a:p>
             <a:fld id="{C764DE79-268F-4C1A-8933-263129D2AF90}" type="datetimeFigureOut">
               <a:rPr lang="en-US" dirty="0"/>
-              <a:t>4/28/2019</a:t>
+              <a:t>9/30/2019</a:t>
             </a:fld>
             <a:endParaRPr lang="en-US" dirty="0"/>
           </a:p>
@@ -20298,7 +20298,7 @@
           <a:p>
             <a:fld id="{C764DE79-268F-4C1A-8933-263129D2AF90}" type="datetimeFigureOut">
               <a:rPr lang="en-US" dirty="0"/>
-              <a:t>4/28/2019</a:t>
+              <a:t>9/30/2019</a:t>
             </a:fld>
             <a:endParaRPr lang="en-US" dirty="0"/>
           </a:p>
@@ -20417,7 +20417,7 @@
           <a:p>
             <a:fld id="{C764DE79-268F-4C1A-8933-263129D2AF90}" type="datetimeFigureOut">
               <a:rPr lang="en-US" dirty="0"/>
-              <a:t>4/28/2019</a:t>
+              <a:t>9/30/2019</a:t>
             </a:fld>
             <a:endParaRPr lang="en-US" dirty="0"/>
           </a:p>
@@ -20513,7 +20513,7 @@
           <a:p>
             <a:fld id="{C764DE79-268F-4C1A-8933-263129D2AF90}" type="datetimeFigureOut">
               <a:rPr lang="en-US" dirty="0"/>
-              <a:t>4/28/2019</a:t>
+              <a:t>9/30/2019</a:t>
             </a:fld>
             <a:endParaRPr lang="en-US" dirty="0"/>
           </a:p>
@@ -20791,7 +20791,7 @@
           <a:p>
             <a:fld id="{C764DE79-268F-4C1A-8933-263129D2AF90}" type="datetimeFigureOut">
               <a:rPr lang="en-US" dirty="0"/>
-              <a:t>4/28/2019</a:t>
+              <a:t>9/30/2019</a:t>
             </a:fld>
             <a:endParaRPr lang="en-US" dirty="0"/>
           </a:p>
@@ -21049,7 +21049,7 @@
           <a:p>
             <a:fld id="{C764DE79-268F-4C1A-8933-263129D2AF90}" type="datetimeFigureOut">
               <a:rPr lang="en-US" dirty="0"/>
-              <a:t>4/28/2019</a:t>
+              <a:t>9/30/2019</a:t>
             </a:fld>
             <a:endParaRPr lang="en-US" dirty="0"/>
           </a:p>
@@ -21220,7 +21220,7 @@
           <a:p>
             <a:fld id="{C764DE79-268F-4C1A-8933-263129D2AF90}" type="datetimeFigureOut">
               <a:rPr lang="en-US" dirty="0"/>
-              <a:t>4/28/2019</a:t>
+              <a:t>9/30/2019</a:t>
             </a:fld>
             <a:endParaRPr lang="en-US" dirty="0"/>
           </a:p>
@@ -21401,7 +21401,7 @@
           <a:p>
             <a:fld id="{C764DE79-268F-4C1A-8933-263129D2AF90}" type="datetimeFigureOut">
               <a:rPr lang="en-US" dirty="0"/>
-              <a:t>4/28/2019</a:t>
+              <a:t>9/30/2019</a:t>
             </a:fld>
             <a:endParaRPr lang="en-US" dirty="0"/>
           </a:p>
@@ -21720,7 +21720,7 @@
           <a:p>
             <a:fld id="{C764DE79-268F-4C1A-8933-263129D2AF90}" type="datetimeFigureOut">
               <a:rPr lang="en-US" dirty="0"/>
-              <a:t>4/28/2019</a:t>
+              <a:t>9/30/2019</a:t>
             </a:fld>
             <a:endParaRPr lang="en-US" dirty="0"/>
           </a:p>
@@ -21891,7 +21891,7 @@
           <a:p>
             <a:fld id="{C764DE79-268F-4C1A-8933-263129D2AF90}" type="datetimeFigureOut">
               <a:rPr lang="en-US" dirty="0"/>
-              <a:t>4/28/2019</a:t>
+              <a:t>9/30/2019</a:t>
             </a:fld>
             <a:endParaRPr lang="en-US" dirty="0"/>
           </a:p>
@@ -22136,7 +22136,7 @@
           <a:p>
             <a:fld id="{C764DE79-268F-4C1A-8933-263129D2AF90}" type="datetimeFigureOut">
               <a:rPr lang="en-US" dirty="0"/>
-              <a:t>4/28/2019</a:t>
+              <a:t>9/30/2019</a:t>
             </a:fld>
             <a:endParaRPr lang="en-US" dirty="0"/>
           </a:p>
@@ -22369,7 +22369,7 @@
           <a:p>
             <a:fld id="{C764DE79-268F-4C1A-8933-263129D2AF90}" type="datetimeFigureOut">
               <a:rPr lang="en-US" dirty="0"/>
-              <a:t>4/28/2019</a:t>
+              <a:t>9/30/2019</a:t>
             </a:fld>
             <a:endParaRPr lang="en-US" dirty="0"/>
           </a:p>
@@ -22737,7 +22737,7 @@
           <a:p>
             <a:fld id="{C764DE79-268F-4C1A-8933-263129D2AF90}" type="datetimeFigureOut">
               <a:rPr lang="en-US" dirty="0"/>
-              <a:t>4/28/2019</a:t>
+              <a:t>9/30/2019</a:t>
             </a:fld>
             <a:endParaRPr lang="en-US" dirty="0"/>
           </a:p>
@@ -23811,7 +23811,7 @@
           <a:p>
             <a:fld id="{C764DE79-268F-4C1A-8933-263129D2AF90}" type="datetimeFigureOut">
               <a:rPr lang="en-US" dirty="0"/>
-              <a:t>4/28/2019</a:t>
+              <a:t>9/30/2019</a:t>
             </a:fld>
             <a:endParaRPr lang="en-US" dirty="0"/>
           </a:p>
@@ -24480,7 +24480,7 @@
           <a:p>
             <a:fld id="{C764DE79-268F-4C1A-8933-263129D2AF90}" type="datetimeFigureOut">
               <a:rPr lang="en-US" dirty="0"/>
-              <a:t>4/28/2019</a:t>
+              <a:t>9/30/2019</a:t>
             </a:fld>
             <a:endParaRPr lang="en-US" dirty="0"/>
           </a:p>
@@ -25125,7 +25125,7 @@
           <a:p>
             <a:fld id="{C764DE79-268F-4C1A-8933-263129D2AF90}" type="datetimeFigureOut">
               <a:rPr lang="en-US" dirty="0"/>
-              <a:t>4/28/2019</a:t>
+              <a:t>9/30/2019</a:t>
             </a:fld>
             <a:endParaRPr lang="en-US" dirty="0"/>
           </a:p>
